--- a/Lectures/CSE 599V Lecture 1- Course Introduction and Biochemistry Basics.pptx
+++ b/Lectures/CSE 599V Lecture 1- Course Introduction and Biochemistry Basics.pptx
@@ -5,14 +5,17 @@
     <p:sldMasterId id="2147483648" r:id="rId1"/>
   </p:sldMasterIdLst>
   <p:notesMasterIdLst>
-    <p:notesMasterId r:id="rId4"/>
+    <p:notesMasterId r:id="rId7"/>
   </p:notesMasterIdLst>
   <p:handoutMasterIdLst>
-    <p:handoutMasterId r:id="rId5"/>
+    <p:handoutMasterId r:id="rId8"/>
   </p:handoutMasterIdLst>
   <p:sldIdLst>
     <p:sldId id="347" r:id="rId2"/>
-    <p:sldId id="368" r:id="rId3"/>
+    <p:sldId id="348" r:id="rId3"/>
+    <p:sldId id="351" r:id="rId4"/>
+    <p:sldId id="349" r:id="rId5"/>
+    <p:sldId id="350" r:id="rId6"/>
   </p:sldIdLst>
   <p:sldSz cx="9144000" cy="6858000" type="screen4x3"/>
   <p:notesSz cx="6858000" cy="9144000"/>
@@ -283,7 +286,7 @@
               <a:pPr>
                 <a:defRPr/>
               </a:pPr>
-              <a:t>9/3/18</a:t>
+              <a:t>9/7/18</a:t>
             </a:fld>
             <a:endParaRPr lang="en-US" altLang="x-none"/>
           </a:p>
@@ -492,7 +495,7 @@
               <a:pPr>
                 <a:defRPr/>
               </a:pPr>
-              <a:t>9/3/18</a:t>
+              <a:t>9/7/18</a:t>
             </a:fld>
             <a:endParaRPr lang="en-US" altLang="x-none"/>
           </a:p>
@@ -4972,7 +4975,7 @@
         </p:nvSpPr>
         <p:spPr bwMode="auto">
           <a:xfrm>
-            <a:off x="685800" y="762000"/>
+            <a:off x="685800" y="533400"/>
             <a:ext cx="8077200" cy="1470025"/>
           </a:xfrm>
           <a:noFill/>
@@ -5006,11 +5009,53 @@
           <a:p>
             <a:pPr eaLnBrk="1" hangingPunct="1"/>
             <a:r>
+              <a:rPr lang="en-US" altLang="en-US" sz="3200" b="1" dirty="0">
+                <a:ea typeface="ＭＳ Ｐゴシック" panose="020B0600070205080204" pitchFamily="34" charset="-128"/>
+              </a:rPr>
+              <a:t>BIOE 498 / BIOE 599: Computational Systems Biology for Medical Applications</a:t>
+            </a:r>
+            <a:br>
+              <a:rPr lang="en-US" altLang="en-US" sz="3200" b="1" dirty="0">
+                <a:ea typeface="ＭＳ Ｐゴシック" panose="020B0600070205080204" pitchFamily="34" charset="-128"/>
+              </a:rPr>
+            </a:br>
+            <a:br>
+              <a:rPr lang="en-US" altLang="en-US" sz="3200" b="1" dirty="0">
+                <a:ea typeface="ＭＳ Ｐゴシック" panose="020B0600070205080204" pitchFamily="34" charset="-128"/>
+              </a:rPr>
+            </a:br>
+            <a:r>
+              <a:rPr lang="en-US" altLang="en-US" sz="3200" b="1" dirty="0">
+                <a:ea typeface="ＭＳ Ｐゴシック" panose="020B0600070205080204" pitchFamily="34" charset="-128"/>
+              </a:rPr>
+              <a:t>CSE 599V: Advancing Biomedical Models</a:t>
+            </a:r>
+            <a:br>
+              <a:rPr lang="en-US" altLang="en-US" sz="3200" b="1" dirty="0">
+                <a:ea typeface="ＭＳ Ｐゴシック" panose="020B0600070205080204" pitchFamily="34" charset="-128"/>
+              </a:rPr>
+            </a:br>
+            <a:br>
+              <a:rPr lang="en-US" altLang="en-US" sz="3200" b="1" dirty="0">
+                <a:ea typeface="ＭＳ Ｐゴシック" panose="020B0600070205080204" pitchFamily="34" charset="-128"/>
+              </a:rPr>
+            </a:br>
+            <a:r>
+              <a:rPr lang="en-US" altLang="en-US" sz="3200" b="1" u="sng" dirty="0">
+                <a:ea typeface="ＭＳ Ｐゴシック" panose="020B0600070205080204" pitchFamily="34" charset="-128"/>
+              </a:rPr>
+              <a:t>Course Introduction and Biochemistry Basics</a:t>
+            </a:r>
+            <a:br>
               <a:rPr lang="en-US" altLang="en-US" b="1" dirty="0">
                 <a:ea typeface="ＭＳ Ｐゴシック" panose="020B0600070205080204" pitchFamily="34" charset="-128"/>
               </a:rPr>
-              <a:t>CSE 599V Slides</a:t>
-            </a:r>
+            </a:br>
+            <a:br>
+              <a:rPr lang="en-US" altLang="en-US" b="1" dirty="0">
+                <a:ea typeface="ＭＳ Ｐゴシック" panose="020B0600070205080204" pitchFamily="34" charset="-128"/>
+              </a:rPr>
+            </a:br>
             <a:endParaRPr lang="en-US" altLang="en-US" i="1" dirty="0">
               <a:ea typeface="ＭＳ Ｐゴシック" panose="020B0600070205080204" pitchFamily="34" charset="-128"/>
             </a:endParaRPr>
@@ -5033,12 +5078,70 @@
             <p:ph type="subTitle" idx="1"/>
           </p:nvPr>
         </p:nvSpPr>
-        <p:spPr/>
+        <p:spPr>
+          <a:xfrm>
+            <a:off x="381000" y="3886200"/>
+            <a:ext cx="8382000" cy="1752600"/>
+          </a:xfrm>
+        </p:spPr>
         <p:txBody>
           <a:bodyPr/>
           <a:lstStyle/>
           <a:p>
-            <a:endParaRPr lang="en-US"/>
+            <a:r>
+              <a:rPr lang="en-US" dirty="0"/>
+              <a:t>Joseph L. </a:t>
+            </a:r>
+            <a:r>
+              <a:rPr lang="en-US" dirty="0" err="1"/>
+              <a:t>Hellerstein</a:t>
+            </a:r>
+            <a:r>
+              <a:rPr lang="en-US" dirty="0"/>
+              <a:t>*</a:t>
+            </a:r>
+          </a:p>
+          <a:p>
+            <a:r>
+              <a:rPr lang="en-US" dirty="0"/>
+              <a:t>Herbert </a:t>
+            </a:r>
+            <a:r>
+              <a:rPr lang="en-US" dirty="0" err="1"/>
+              <a:t>Sauro</a:t>
+            </a:r>
+            <a:r>
+              <a:rPr lang="en-US" dirty="0"/>
+              <a:t>**</a:t>
+            </a:r>
+          </a:p>
+          <a:p>
+            <a:endParaRPr lang="en-US" dirty="0"/>
+          </a:p>
+          <a:p>
+            <a:r>
+              <a:rPr lang="en-US" sz="2800" dirty="0"/>
+              <a:t>*</a:t>
+            </a:r>
+            <a:r>
+              <a:rPr lang="en-US" sz="2800" dirty="0" err="1"/>
+              <a:t>eScience</a:t>
+            </a:r>
+            <a:r>
+              <a:rPr lang="en-US" sz="2800" dirty="0"/>
+              <a:t> Institute, Computer Science &amp; Engineering</a:t>
+            </a:r>
+          </a:p>
+          <a:p>
+            <a:r>
+              <a:rPr lang="en-US" sz="2800" dirty="0"/>
+              <a:t>**</a:t>
+            </a:r>
+            <a:r>
+              <a:rPr lang="en-US" sz="2800" dirty="0" err="1"/>
+              <a:t>BioEngineering</a:t>
+            </a:r>
+            <a:endParaRPr lang="en-US" sz="2800" dirty="0"/>
           </a:p>
         </p:txBody>
       </p:sp>
@@ -5074,10 +5177,63 @@
       </p:grpSpPr>
       <p:sp>
         <p:nvSpPr>
+          <p:cNvPr id="2" name="Title 1">
+            <a:extLst>
+              <a:ext uri="{FF2B5EF4-FFF2-40B4-BE49-F238E27FC236}">
+                <a16:creationId xmlns:a16="http://schemas.microsoft.com/office/drawing/2014/main" id="{2E757013-2D9A-7D44-BE4D-91514EED9D00}"/>
+              </a:ext>
+            </a:extLst>
+          </p:cNvPr>
+          <p:cNvSpPr>
+            <a:spLocks noGrp="1"/>
+          </p:cNvSpPr>
+          <p:nvPr>
+            <p:ph type="title"/>
+          </p:nvPr>
+        </p:nvSpPr>
+        <p:spPr/>
+        <p:txBody>
+          <a:bodyPr/>
+          <a:lstStyle/>
+          <a:p>
+            <a:r>
+              <a:rPr lang="en-US" dirty="0"/>
+              <a:t>Why Biomedical Models?</a:t>
+            </a:r>
+          </a:p>
+        </p:txBody>
+      </p:sp>
+      <p:sp>
+        <p:nvSpPr>
+          <p:cNvPr id="3" name="Content Placeholder 2">
+            <a:extLst>
+              <a:ext uri="{FF2B5EF4-FFF2-40B4-BE49-F238E27FC236}">
+                <a16:creationId xmlns:a16="http://schemas.microsoft.com/office/drawing/2014/main" id="{63CBABC6-8D05-C241-940B-C73193E2DF56}"/>
+              </a:ext>
+            </a:extLst>
+          </p:cNvPr>
+          <p:cNvSpPr>
+            <a:spLocks noGrp="1"/>
+          </p:cNvSpPr>
+          <p:nvPr>
+            <p:ph idx="1"/>
+          </p:nvPr>
+        </p:nvSpPr>
+        <p:spPr/>
+        <p:txBody>
+          <a:bodyPr/>
+          <a:lstStyle/>
+          <a:p>
+            <a:endParaRPr lang="en-US"/>
+          </a:p>
+        </p:txBody>
+      </p:sp>
+      <p:sp>
+        <p:nvSpPr>
           <p:cNvPr id="4" name="Slide Number Placeholder 3">
             <a:extLst>
               <a:ext uri="{FF2B5EF4-FFF2-40B4-BE49-F238E27FC236}">
-                <a16:creationId xmlns:a16="http://schemas.microsoft.com/office/drawing/2014/main" id="{0FDCB478-AAE5-2748-8579-E92FFB2805A8}"/>
+                <a16:creationId xmlns:a16="http://schemas.microsoft.com/office/drawing/2014/main" id="{2DFE278B-BA62-0444-B4E5-83AF68A3D692}"/>
               </a:ext>
             </a:extLst>
           </p:cNvPr>
@@ -5107,70 +5263,369 @@
           </a:p>
         </p:txBody>
       </p:sp>
-      <p:pic>
-        <p:nvPicPr>
-          <p:cNvPr id="5" name="Picture 4">
+    </p:spTree>
+    <p:extLst>
+      <p:ext uri="{BB962C8B-B14F-4D97-AF65-F5344CB8AC3E}">
+        <p14:creationId xmlns:p14="http://schemas.microsoft.com/office/powerpoint/2010/main" val="3691048361"/>
+      </p:ext>
+    </p:extLst>
+  </p:cSld>
+  <p:clrMapOvr>
+    <a:masterClrMapping/>
+  </p:clrMapOvr>
+</p:sld>
+</file>
+
+<file path=ppt/slides/slide3.xml><?xml version="1.0" encoding="utf-8"?>
+<p:sld xmlns:a="http://schemas.openxmlformats.org/drawingml/2006/main" xmlns:r="http://schemas.openxmlformats.org/officeDocument/2006/relationships" xmlns:p="http://schemas.openxmlformats.org/presentationml/2006/main">
+  <p:cSld>
+    <p:spTree>
+      <p:nvGrpSpPr>
+        <p:cNvPr id="1" name=""/>
+        <p:cNvGrpSpPr/>
+        <p:nvPr/>
+      </p:nvGrpSpPr>
+      <p:grpSpPr>
+        <a:xfrm>
+          <a:off x="0" y="0"/>
+          <a:ext cx="0" cy="0"/>
+          <a:chOff x="0" y="0"/>
+          <a:chExt cx="0" cy="0"/>
+        </a:xfrm>
+      </p:grpSpPr>
+      <p:sp>
+        <p:nvSpPr>
+          <p:cNvPr id="2" name="Title 1">
             <a:extLst>
               <a:ext uri="{FF2B5EF4-FFF2-40B4-BE49-F238E27FC236}">
-                <a16:creationId xmlns:a16="http://schemas.microsoft.com/office/drawing/2014/main" id="{1CAEBF6D-73CE-FC4C-B0DF-8303CD3D9794}"/>
+                <a16:creationId xmlns:a16="http://schemas.microsoft.com/office/drawing/2014/main" id="{7E9389AB-9A61-154D-8AEE-C073244E8811}"/>
               </a:ext>
             </a:extLst>
           </p:cNvPr>
-          <p:cNvPicPr>
-            <a:picLocks noChangeAspect="1"/>
-          </p:cNvPicPr>
-          <p:nvPr/>
-        </p:nvPicPr>
-        <p:blipFill>
-          <a:blip r:embed="rId2"/>
-          <a:stretch>
-            <a:fillRect/>
-          </a:stretch>
-        </p:blipFill>
-        <p:spPr>
-          <a:xfrm>
-            <a:off x="4495800" y="2133600"/>
-            <a:ext cx="3810000" cy="2514600"/>
-          </a:xfrm>
-          <a:prstGeom prst="rect">
-            <a:avLst/>
-          </a:prstGeom>
-        </p:spPr>
-      </p:pic>
-      <p:pic>
-        <p:nvPicPr>
-          <p:cNvPr id="6" name="Picture 5">
+          <p:cNvSpPr>
+            <a:spLocks noGrp="1"/>
+          </p:cNvSpPr>
+          <p:nvPr>
+            <p:ph type="title"/>
+          </p:nvPr>
+        </p:nvSpPr>
+        <p:spPr/>
+        <p:txBody>
+          <a:bodyPr/>
+          <a:lstStyle/>
+          <a:p>
+            <a:r>
+              <a:rPr lang="en-US" dirty="0"/>
+              <a:t>Joint Syllabus</a:t>
+            </a:r>
+          </a:p>
+        </p:txBody>
+      </p:sp>
+      <p:sp>
+        <p:nvSpPr>
+          <p:cNvPr id="3" name="Content Placeholder 2">
             <a:extLst>
               <a:ext uri="{FF2B5EF4-FFF2-40B4-BE49-F238E27FC236}">
-                <a16:creationId xmlns:a16="http://schemas.microsoft.com/office/drawing/2014/main" id="{D1DCA9DA-19C9-6448-A169-1FA101F70FE8}"/>
+                <a16:creationId xmlns:a16="http://schemas.microsoft.com/office/drawing/2014/main" id="{8B319DDB-A77E-904F-85C3-4C9A9D3E3972}"/>
               </a:ext>
             </a:extLst>
           </p:cNvPr>
-          <p:cNvPicPr>
-            <a:picLocks noChangeAspect="1"/>
-          </p:cNvPicPr>
-          <p:nvPr/>
-        </p:nvPicPr>
-        <p:blipFill>
-          <a:blip r:embed="rId3"/>
-          <a:stretch>
-            <a:fillRect/>
-          </a:stretch>
-        </p:blipFill>
-        <p:spPr>
-          <a:xfrm>
-            <a:off x="914400" y="-33759"/>
-            <a:ext cx="2199359" cy="6858000"/>
-          </a:xfrm>
-          <a:prstGeom prst="rect">
-            <a:avLst/>
-          </a:prstGeom>
-        </p:spPr>
-      </p:pic>
+          <p:cNvSpPr>
+            <a:spLocks noGrp="1"/>
+          </p:cNvSpPr>
+          <p:nvPr>
+            <p:ph idx="1"/>
+          </p:nvPr>
+        </p:nvSpPr>
+        <p:spPr/>
+        <p:txBody>
+          <a:bodyPr/>
+          <a:lstStyle/>
+          <a:p>
+            <a:endParaRPr lang="en-US"/>
+          </a:p>
+        </p:txBody>
+      </p:sp>
+      <p:sp>
+        <p:nvSpPr>
+          <p:cNvPr id="4" name="Slide Number Placeholder 3">
+            <a:extLst>
+              <a:ext uri="{FF2B5EF4-FFF2-40B4-BE49-F238E27FC236}">
+                <a16:creationId xmlns:a16="http://schemas.microsoft.com/office/drawing/2014/main" id="{E746AEB6-6136-C043-8F27-AE4BA8D1DD3C}"/>
+              </a:ext>
+            </a:extLst>
+          </p:cNvPr>
+          <p:cNvSpPr>
+            <a:spLocks noGrp="1"/>
+          </p:cNvSpPr>
+          <p:nvPr>
+            <p:ph type="sldNum" sz="quarter" idx="11"/>
+          </p:nvPr>
+        </p:nvSpPr>
+        <p:spPr/>
+        <p:txBody>
+          <a:bodyPr/>
+          <a:lstStyle/>
+          <a:p>
+            <a:pPr>
+              <a:defRPr/>
+            </a:pPr>
+            <a:fld id="{3EF4E9CC-9D91-476E-91FD-5BEEC1642931}" type="slidenum">
+              <a:rPr lang="en-US" altLang="x-none" smtClean="0"/>
+              <a:pPr>
+                <a:defRPr/>
+              </a:pPr>
+              <a:t>3</a:t>
+            </a:fld>
+            <a:endParaRPr lang="en-US" altLang="x-none"/>
+          </a:p>
+        </p:txBody>
+      </p:sp>
     </p:spTree>
     <p:extLst>
       <p:ext uri="{BB962C8B-B14F-4D97-AF65-F5344CB8AC3E}">
-        <p14:creationId xmlns:p14="http://schemas.microsoft.com/office/powerpoint/2010/main" val="1811646634"/>
+        <p14:creationId xmlns:p14="http://schemas.microsoft.com/office/powerpoint/2010/main" val="3177717941"/>
+      </p:ext>
+    </p:extLst>
+  </p:cSld>
+  <p:clrMapOvr>
+    <a:masterClrMapping/>
+  </p:clrMapOvr>
+</p:sld>
+</file>
+
+<file path=ppt/slides/slide4.xml><?xml version="1.0" encoding="utf-8"?>
+<p:sld xmlns:a="http://schemas.openxmlformats.org/drawingml/2006/main" xmlns:r="http://schemas.openxmlformats.org/officeDocument/2006/relationships" xmlns:p="http://schemas.openxmlformats.org/presentationml/2006/main">
+  <p:cSld>
+    <p:spTree>
+      <p:nvGrpSpPr>
+        <p:cNvPr id="1" name=""/>
+        <p:cNvGrpSpPr/>
+        <p:nvPr/>
+      </p:nvGrpSpPr>
+      <p:grpSpPr>
+        <a:xfrm>
+          <a:off x="0" y="0"/>
+          <a:ext cx="0" cy="0"/>
+          <a:chOff x="0" y="0"/>
+          <a:chExt cx="0" cy="0"/>
+        </a:xfrm>
+      </p:grpSpPr>
+      <p:sp>
+        <p:nvSpPr>
+          <p:cNvPr id="2" name="Title 1">
+            <a:extLst>
+              <a:ext uri="{FF2B5EF4-FFF2-40B4-BE49-F238E27FC236}">
+                <a16:creationId xmlns:a16="http://schemas.microsoft.com/office/drawing/2014/main" id="{E6C567ED-C3D9-9645-BE41-5F27AA677B78}"/>
+              </a:ext>
+            </a:extLst>
+          </p:cNvPr>
+          <p:cNvSpPr>
+            <a:spLocks noGrp="1"/>
+          </p:cNvSpPr>
+          <p:nvPr>
+            <p:ph type="title"/>
+          </p:nvPr>
+        </p:nvSpPr>
+        <p:spPr>
+          <a:xfrm>
+            <a:off x="228600" y="381000"/>
+            <a:ext cx="8458200" cy="838200"/>
+          </a:xfrm>
+        </p:spPr>
+        <p:txBody>
+          <a:bodyPr/>
+          <a:lstStyle/>
+          <a:p>
+            <a:r>
+              <a:rPr lang="en-US" dirty="0"/>
+              <a:t>BIOE Course Learning Objectives &amp; Grading</a:t>
+            </a:r>
+          </a:p>
+        </p:txBody>
+      </p:sp>
+      <p:sp>
+        <p:nvSpPr>
+          <p:cNvPr id="3" name="Content Placeholder 2">
+            <a:extLst>
+              <a:ext uri="{FF2B5EF4-FFF2-40B4-BE49-F238E27FC236}">
+                <a16:creationId xmlns:a16="http://schemas.microsoft.com/office/drawing/2014/main" id="{3E5D6177-E7C8-3949-A461-4A2E4325ABC3}"/>
+              </a:ext>
+            </a:extLst>
+          </p:cNvPr>
+          <p:cNvSpPr>
+            <a:spLocks noGrp="1"/>
+          </p:cNvSpPr>
+          <p:nvPr>
+            <p:ph idx="1"/>
+          </p:nvPr>
+        </p:nvSpPr>
+        <p:spPr/>
+        <p:txBody>
+          <a:bodyPr/>
+          <a:lstStyle/>
+          <a:p>
+            <a:endParaRPr lang="en-US"/>
+          </a:p>
+        </p:txBody>
+      </p:sp>
+      <p:sp>
+        <p:nvSpPr>
+          <p:cNvPr id="4" name="Slide Number Placeholder 3">
+            <a:extLst>
+              <a:ext uri="{FF2B5EF4-FFF2-40B4-BE49-F238E27FC236}">
+                <a16:creationId xmlns:a16="http://schemas.microsoft.com/office/drawing/2014/main" id="{523AA5E3-0D4C-D04F-B5B9-63B772BC066E}"/>
+              </a:ext>
+            </a:extLst>
+          </p:cNvPr>
+          <p:cNvSpPr>
+            <a:spLocks noGrp="1"/>
+          </p:cNvSpPr>
+          <p:nvPr>
+            <p:ph type="sldNum" sz="quarter" idx="11"/>
+          </p:nvPr>
+        </p:nvSpPr>
+        <p:spPr/>
+        <p:txBody>
+          <a:bodyPr/>
+          <a:lstStyle/>
+          <a:p>
+            <a:pPr>
+              <a:defRPr/>
+            </a:pPr>
+            <a:fld id="{3EF4E9CC-9D91-476E-91FD-5BEEC1642931}" type="slidenum">
+              <a:rPr lang="en-US" altLang="x-none" smtClean="0"/>
+              <a:pPr>
+                <a:defRPr/>
+              </a:pPr>
+              <a:t>4</a:t>
+            </a:fld>
+            <a:endParaRPr lang="en-US" altLang="x-none"/>
+          </a:p>
+        </p:txBody>
+      </p:sp>
+    </p:spTree>
+    <p:extLst>
+      <p:ext uri="{BB962C8B-B14F-4D97-AF65-F5344CB8AC3E}">
+        <p14:creationId xmlns:p14="http://schemas.microsoft.com/office/powerpoint/2010/main" val="32386431"/>
+      </p:ext>
+    </p:extLst>
+  </p:cSld>
+  <p:clrMapOvr>
+    <a:masterClrMapping/>
+  </p:clrMapOvr>
+</p:sld>
+</file>
+
+<file path=ppt/slides/slide5.xml><?xml version="1.0" encoding="utf-8"?>
+<p:sld xmlns:a="http://schemas.openxmlformats.org/drawingml/2006/main" xmlns:r="http://schemas.openxmlformats.org/officeDocument/2006/relationships" xmlns:p="http://schemas.openxmlformats.org/presentationml/2006/main">
+  <p:cSld>
+    <p:spTree>
+      <p:nvGrpSpPr>
+        <p:cNvPr id="1" name=""/>
+        <p:cNvGrpSpPr/>
+        <p:nvPr/>
+      </p:nvGrpSpPr>
+      <p:grpSpPr>
+        <a:xfrm>
+          <a:off x="0" y="0"/>
+          <a:ext cx="0" cy="0"/>
+          <a:chOff x="0" y="0"/>
+          <a:chExt cx="0" cy="0"/>
+        </a:xfrm>
+      </p:grpSpPr>
+      <p:sp>
+        <p:nvSpPr>
+          <p:cNvPr id="2" name="Title 1">
+            <a:extLst>
+              <a:ext uri="{FF2B5EF4-FFF2-40B4-BE49-F238E27FC236}">
+                <a16:creationId xmlns:a16="http://schemas.microsoft.com/office/drawing/2014/main" id="{E6C567ED-C3D9-9645-BE41-5F27AA677B78}"/>
+              </a:ext>
+            </a:extLst>
+          </p:cNvPr>
+          <p:cNvSpPr>
+            <a:spLocks noGrp="1"/>
+          </p:cNvSpPr>
+          <p:nvPr>
+            <p:ph type="title"/>
+          </p:nvPr>
+        </p:nvSpPr>
+        <p:spPr/>
+        <p:txBody>
+          <a:bodyPr/>
+          <a:lstStyle/>
+          <a:p>
+            <a:r>
+              <a:rPr lang="en-US" dirty="0"/>
+              <a:t>CSE Course Learning Objectives &amp; Grading</a:t>
+            </a:r>
+          </a:p>
+        </p:txBody>
+      </p:sp>
+      <p:sp>
+        <p:nvSpPr>
+          <p:cNvPr id="3" name="Content Placeholder 2">
+            <a:extLst>
+              <a:ext uri="{FF2B5EF4-FFF2-40B4-BE49-F238E27FC236}">
+                <a16:creationId xmlns:a16="http://schemas.microsoft.com/office/drawing/2014/main" id="{3E5D6177-E7C8-3949-A461-4A2E4325ABC3}"/>
+              </a:ext>
+            </a:extLst>
+          </p:cNvPr>
+          <p:cNvSpPr>
+            <a:spLocks noGrp="1"/>
+          </p:cNvSpPr>
+          <p:nvPr>
+            <p:ph idx="1"/>
+          </p:nvPr>
+        </p:nvSpPr>
+        <p:spPr/>
+        <p:txBody>
+          <a:bodyPr/>
+          <a:lstStyle/>
+          <a:p>
+            <a:endParaRPr lang="en-US" dirty="0"/>
+          </a:p>
+        </p:txBody>
+      </p:sp>
+      <p:sp>
+        <p:nvSpPr>
+          <p:cNvPr id="4" name="Slide Number Placeholder 3">
+            <a:extLst>
+              <a:ext uri="{FF2B5EF4-FFF2-40B4-BE49-F238E27FC236}">
+                <a16:creationId xmlns:a16="http://schemas.microsoft.com/office/drawing/2014/main" id="{523AA5E3-0D4C-D04F-B5B9-63B772BC066E}"/>
+              </a:ext>
+            </a:extLst>
+          </p:cNvPr>
+          <p:cNvSpPr>
+            <a:spLocks noGrp="1"/>
+          </p:cNvSpPr>
+          <p:nvPr>
+            <p:ph type="sldNum" sz="quarter" idx="11"/>
+          </p:nvPr>
+        </p:nvSpPr>
+        <p:spPr/>
+        <p:txBody>
+          <a:bodyPr/>
+          <a:lstStyle/>
+          <a:p>
+            <a:pPr>
+              <a:defRPr/>
+            </a:pPr>
+            <a:fld id="{3EF4E9CC-9D91-476E-91FD-5BEEC1642931}" type="slidenum">
+              <a:rPr lang="en-US" altLang="x-none" smtClean="0"/>
+              <a:pPr>
+                <a:defRPr/>
+              </a:pPr>
+              <a:t>5</a:t>
+            </a:fld>
+            <a:endParaRPr lang="en-US" altLang="x-none"/>
+          </a:p>
+        </p:txBody>
+      </p:sp>
+    </p:spTree>
+    <p:extLst>
+      <p:ext uri="{BB962C8B-B14F-4D97-AF65-F5344CB8AC3E}">
+        <p14:creationId xmlns:p14="http://schemas.microsoft.com/office/powerpoint/2010/main" val="3197523297"/>
       </p:ext>
     </p:extLst>
   </p:cSld>
